--- a/Business_presentation.pptx
+++ b/Business_presentation.pptx
@@ -332,7 +332,7 @@
           <a:p>
             <a:fld id="{5B8E087A-0120-8B46-B90F-292AC6B0C73C}" type="datetimeFigureOut">
               <a:rPr lang="en-US" smtClean="0"/>
-              <a:t>7/28/17</a:t>
+              <a:t>7/29/17</a:t>
             </a:fld>
             <a:endParaRPr lang="en-US"/>
           </a:p>
@@ -653,7 +653,7 @@
           <a:p>
             <a:fld id="{5B8E087A-0120-8B46-B90F-292AC6B0C73C}" type="datetimeFigureOut">
               <a:rPr lang="en-US" smtClean="0"/>
-              <a:t>7/28/17</a:t>
+              <a:t>7/29/17</a:t>
             </a:fld>
             <a:endParaRPr lang="en-US"/>
           </a:p>
@@ -930,7 +930,7 @@
           <a:p>
             <a:fld id="{5B8E087A-0120-8B46-B90F-292AC6B0C73C}" type="datetimeFigureOut">
               <a:rPr lang="en-US" smtClean="0"/>
-              <a:t>7/28/17</a:t>
+              <a:t>7/29/17</a:t>
             </a:fld>
             <a:endParaRPr lang="en-US"/>
           </a:p>
@@ -1224,7 +1224,7 @@
           <a:p>
             <a:fld id="{5B8E087A-0120-8B46-B90F-292AC6B0C73C}" type="datetimeFigureOut">
               <a:rPr lang="en-US" smtClean="0"/>
-              <a:t>7/28/17</a:t>
+              <a:t>7/29/17</a:t>
             </a:fld>
             <a:endParaRPr lang="en-US"/>
           </a:p>
@@ -1553,7 +1553,7 @@
           <a:p>
             <a:fld id="{5B8E087A-0120-8B46-B90F-292AC6B0C73C}" type="datetimeFigureOut">
               <a:rPr lang="en-US" smtClean="0"/>
-              <a:t>7/28/17</a:t>
+              <a:t>7/29/17</a:t>
             </a:fld>
             <a:endParaRPr lang="en-US"/>
           </a:p>
@@ -1804,7 +1804,7 @@
           <a:p>
             <a:fld id="{5B8E087A-0120-8B46-B90F-292AC6B0C73C}" type="datetimeFigureOut">
               <a:rPr lang="en-US" smtClean="0"/>
-              <a:t>7/28/17</a:t>
+              <a:t>7/29/17</a:t>
             </a:fld>
             <a:endParaRPr lang="en-US"/>
           </a:p>
@@ -1983,7 +1983,7 @@
           <a:p>
             <a:fld id="{5B8E087A-0120-8B46-B90F-292AC6B0C73C}" type="datetimeFigureOut">
               <a:rPr lang="en-US" smtClean="0"/>
-              <a:t>7/28/17</a:t>
+              <a:t>7/29/17</a:t>
             </a:fld>
             <a:endParaRPr lang="en-US"/>
           </a:p>
@@ -2152,7 +2152,7 @@
           <a:p>
             <a:fld id="{5B8E087A-0120-8B46-B90F-292AC6B0C73C}" type="datetimeFigureOut">
               <a:rPr lang="en-US" smtClean="0"/>
-              <a:t>7/28/17</a:t>
+              <a:t>7/29/17</a:t>
             </a:fld>
             <a:endParaRPr lang="en-US"/>
           </a:p>
@@ -2421,7 +2421,7 @@
           <a:p>
             <a:fld id="{5B8E087A-0120-8B46-B90F-292AC6B0C73C}" type="datetimeFigureOut">
               <a:rPr lang="en-US" smtClean="0"/>
-              <a:t>7/28/17</a:t>
+              <a:t>7/29/17</a:t>
             </a:fld>
             <a:endParaRPr lang="en-US"/>
           </a:p>
@@ -2728,7 +2728,7 @@
           <a:p>
             <a:fld id="{5B8E087A-0120-8B46-B90F-292AC6B0C73C}" type="datetimeFigureOut">
               <a:rPr lang="en-US" smtClean="0"/>
-              <a:t>7/28/17</a:t>
+              <a:t>7/29/17</a:t>
             </a:fld>
             <a:endParaRPr lang="en-US"/>
           </a:p>
@@ -3020,7 +3020,7 @@
           <a:p>
             <a:fld id="{5B8E087A-0120-8B46-B90F-292AC6B0C73C}" type="datetimeFigureOut">
               <a:rPr lang="en-US" smtClean="0"/>
-              <a:t>7/28/17</a:t>
+              <a:t>7/29/17</a:t>
             </a:fld>
             <a:endParaRPr lang="en-US"/>
           </a:p>
@@ -3450,7 +3450,7 @@
           <a:p>
             <a:fld id="{5B8E087A-0120-8B46-B90F-292AC6B0C73C}" type="datetimeFigureOut">
               <a:rPr lang="en-US" smtClean="0"/>
-              <a:t>7/28/17</a:t>
+              <a:t>7/29/17</a:t>
             </a:fld>
             <a:endParaRPr lang="en-US"/>
           </a:p>
@@ -3796,7 +3796,7 @@
           <a:p>
             <a:fld id="{5B8E087A-0120-8B46-B90F-292AC6B0C73C}" type="datetimeFigureOut">
               <a:rPr lang="en-US" smtClean="0"/>
-              <a:t>7/28/17</a:t>
+              <a:t>7/29/17</a:t>
             </a:fld>
             <a:endParaRPr lang="en-US"/>
           </a:p>
@@ -3886,7 +3886,7 @@
           <a:p>
             <a:fld id="{5B8E087A-0120-8B46-B90F-292AC6B0C73C}" type="datetimeFigureOut">
               <a:rPr lang="en-US" smtClean="0"/>
-              <a:t>7/28/17</a:t>
+              <a:t>7/29/17</a:t>
             </a:fld>
             <a:endParaRPr lang="en-US"/>
           </a:p>
@@ -4223,7 +4223,7 @@
           <a:p>
             <a:fld id="{5B8E087A-0120-8B46-B90F-292AC6B0C73C}" type="datetimeFigureOut">
               <a:rPr lang="en-US" smtClean="0"/>
-              <a:t>7/28/17</a:t>
+              <a:t>7/29/17</a:t>
             </a:fld>
             <a:endParaRPr lang="en-US"/>
           </a:p>
@@ -4435,7 +4435,7 @@
           <a:p>
             <a:fld id="{5B8E087A-0120-8B46-B90F-292AC6B0C73C}" type="datetimeFigureOut">
               <a:rPr lang="en-US" smtClean="0"/>
-              <a:t>7/28/17</a:t>
+              <a:t>7/29/17</a:t>
             </a:fld>
             <a:endParaRPr lang="en-US"/>
           </a:p>
@@ -5920,12 +5920,18 @@
           </a:xfrm>
         </p:spPr>
         <p:txBody>
-          <a:bodyPr/>
+          <a:bodyPr>
+            <a:normAutofit fontScale="90000"/>
+          </a:bodyPr>
           <a:lstStyle/>
           <a:p>
             <a:r>
               <a:rPr lang="en-US" dirty="0" smtClean="0"/>
-              <a:t>Sentiment of his tweets?</a:t>
+              <a:t>Which words he is </a:t>
+            </a:r>
+            <a:r>
+              <a:rPr lang="en-US" smtClean="0"/>
+              <a:t>more likely to use?</a:t>
             </a:r>
             <a:endParaRPr lang="en-US" dirty="0"/>
           </a:p>
